--- a/Presentation/presentation.pptx
+++ b/Presentation/presentation.pptx
@@ -114,6 +114,11 @@
       </a:defRPr>
     </a:lvl9pPr>
   </p:defaultTextStyle>
+  <p:extLst>
+    <p:ext uri="{EFAFB233-063F-42B5-8137-9DF3F51BA10A}">
+      <p15:sldGuideLst xmlns:p15="http://schemas.microsoft.com/office/powerpoint/2012/main"/>
+    </p:ext>
+  </p:extLst>
 </p:presentation>
 </file>
 
@@ -208,11 +213,11 @@
         </c:dLbls>
         <c:gapWidth val="219"/>
         <c:overlap val="-27"/>
-        <c:axId val="-102180224"/>
-        <c:axId val="-102179136"/>
+        <c:axId val="23178992"/>
+        <c:axId val="23185520"/>
       </c:barChart>
       <c:catAx>
-        <c:axId val="-102180224"/>
+        <c:axId val="23178992"/>
         <c:scaling>
           <c:orientation val="minMax"/>
         </c:scaling>
@@ -255,7 +260,7 @@
             <a:endParaRPr lang="hu-HU"/>
           </a:p>
         </c:txPr>
-        <c:crossAx val="-102179136"/>
+        <c:crossAx val="23185520"/>
         <c:crosses val="autoZero"/>
         <c:auto val="1"/>
         <c:lblAlgn val="ctr"/>
@@ -263,7 +268,7 @@
         <c:noMultiLvlLbl val="0"/>
       </c:catAx>
       <c:valAx>
-        <c:axId val="-102179136"/>
+        <c:axId val="23185520"/>
         <c:scaling>
           <c:orientation val="minMax"/>
         </c:scaling>
@@ -314,7 +319,7 @@
             <a:endParaRPr lang="hu-HU"/>
           </a:p>
         </c:txPr>
-        <c:crossAx val="-102180224"/>
+        <c:crossAx val="23178992"/>
         <c:crosses val="autoZero"/>
         <c:crossBetween val="between"/>
       </c:valAx>
@@ -8820,7 +8825,6 @@
               <a:rPr lang="hu-HU" dirty="0"/>
               <a:t>https://github.com/gaborvecsei/OnalloLaboratorium</a:t>
             </a:r>
-            <a:endParaRPr lang="hu-HU" dirty="0"/>
           </a:p>
         </p:txBody>
       </p:sp>
@@ -10263,7 +10267,7 @@
       </p:sp>
       <p:pic>
         <p:nvPicPr>
-          <p:cNvPr id="6146" name="Picture 2" descr="http://answers.unity3d.com/storage/temp/2198-frustum1.png"/>
+          <p:cNvPr id="1026" name="Picture 1"/>
           <p:cNvPicPr>
             <a:picLocks noChangeAspect="1" noChangeArrowheads="1"/>
           </p:cNvPicPr>
@@ -10284,13 +10288,16 @@
         </p:blipFill>
         <p:spPr bwMode="auto">
           <a:xfrm>
-            <a:off x="6514172" y="4159264"/>
-            <a:ext cx="4391817" cy="1931670"/>
+            <a:off x="6498114" y="4593078"/>
+            <a:ext cx="3402528" cy="1934300"/>
           </a:xfrm>
           <a:prstGeom prst="rect">
             <a:avLst/>
           </a:prstGeom>
           <a:noFill/>
+          <a:ln>
+            <a:noFill/>
+          </a:ln>
           <a:extLst>
             <a:ext uri="{909E8E84-426E-40DD-AFC4-6F175D3DCCD1}">
               <a14:hiddenFill xmlns:a14="http://schemas.microsoft.com/office/drawing/2010/main">
@@ -10298,6 +10305,70 @@
                   <a:srgbClr val="FFFFFF"/>
                 </a:solidFill>
               </a14:hiddenFill>
+            </a:ext>
+            <a:ext uri="{91240B29-F687-4F45-9708-019B960494DF}">
+              <a14:hiddenLine xmlns:a14="http://schemas.microsoft.com/office/drawing/2010/main" w="9525">
+                <a:solidFill>
+                  <a:srgbClr val="000000"/>
+                </a:solidFill>
+                <a:miter lim="800000"/>
+                <a:headEnd/>
+                <a:tailEnd/>
+              </a14:hiddenLine>
+            </a:ext>
+          </a:extLst>
+        </p:spPr>
+      </p:pic>
+      <p:pic>
+        <p:nvPicPr>
+          <p:cNvPr id="1027" name="Picture 1"/>
+          <p:cNvPicPr>
+            <a:picLocks noChangeAspect="1" noChangeArrowheads="1"/>
+          </p:cNvPicPr>
+          <p:nvPr/>
+        </p:nvPicPr>
+        <p:blipFill>
+          <a:blip r:embed="rId3">
+            <a:extLst>
+              <a:ext uri="{28A0092B-C50C-407E-A947-70E740481C1C}">
+                <a14:useLocalDpi xmlns:a14="http://schemas.microsoft.com/office/drawing/2010/main" val="0"/>
+              </a:ext>
+            </a:extLst>
+          </a:blip>
+          <a:srcRect/>
+          <a:stretch>
+            <a:fillRect/>
+          </a:stretch>
+        </p:blipFill>
+        <p:spPr bwMode="auto">
+          <a:xfrm>
+            <a:off x="8100813" y="2336873"/>
+            <a:ext cx="3326007" cy="1848760"/>
+          </a:xfrm>
+          <a:prstGeom prst="rect">
+            <a:avLst/>
+          </a:prstGeom>
+          <a:noFill/>
+          <a:ln>
+            <a:noFill/>
+          </a:ln>
+          <a:extLst>
+            <a:ext uri="{909E8E84-426E-40DD-AFC4-6F175D3DCCD1}">
+              <a14:hiddenFill xmlns:a14="http://schemas.microsoft.com/office/drawing/2010/main">
+                <a:solidFill>
+                  <a:srgbClr val="FFFFFF"/>
+                </a:solidFill>
+              </a14:hiddenFill>
+            </a:ext>
+            <a:ext uri="{91240B29-F687-4F45-9708-019B960494DF}">
+              <a14:hiddenLine xmlns:a14="http://schemas.microsoft.com/office/drawing/2010/main" w="9525">
+                <a:solidFill>
+                  <a:srgbClr val="000000"/>
+                </a:solidFill>
+                <a:miter lim="800000"/>
+                <a:headEnd/>
+                <a:tailEnd/>
+              </a14:hiddenLine>
             </a:ext>
           </a:extLst>
         </p:spPr>
